--- a/Document-Templates/SoftUni-BUDITEL-PowerPoint-Template-BG-May-2024.pptx
+++ b/Document-Templates/SoftUni-BUDITEL-PowerPoint-Template-BG-May-2024.pptx
@@ -293,7 +293,7 @@
             <a:fld id="{FE5B4EDC-59C0-49C7-8ADA-5A781B329E02}" type="datetimeFigureOut">
               <a:rPr lang="en-US"/>
               <a:pPr/>
-              <a:t>10-May-24</a:t>
+              <a:t>11-May-24</a:t>
             </a:fld>
             <a:endParaRPr dirty="0"/>
           </a:p>
@@ -474,7 +474,7 @@
             <a:fld id="{F2D8D46A-B586-417D-BFBD-8C8FE0AAF762}" type="datetimeFigureOut">
               <a:rPr lang="en-US" smtClean="0"/>
               <a:pPr/>
-              <a:t>10-May-24</a:t>
+              <a:t>11-May-24</a:t>
             </a:fld>
             <a:endParaRPr lang="en-US"/>
           </a:p>
@@ -3823,145 +3823,100 @@
           </a:p>
         </p:txBody>
       </p:sp>
-      <p:grpSp>
-        <p:nvGrpSpPr>
-          <p:cNvPr id="7" name="Logo Circle">
+      <p:sp>
+        <p:nvSpPr>
+          <p:cNvPr id="11" name="Logo Oval">
             <a:extLst>
               <a:ext uri="{FF2B5EF4-FFF2-40B4-BE49-F238E27FC236}">
-                <a16:creationId xmlns:a16="http://schemas.microsoft.com/office/drawing/2014/main" id="{EA61396F-3089-0130-8EF5-AA1B0FA72F99}"/>
+                <a16:creationId xmlns:a16="http://schemas.microsoft.com/office/drawing/2014/main" id="{1DF0A708-7042-01E1-C5B1-B8AA783A7744}"/>
               </a:ext>
             </a:extLst>
           </p:cNvPr>
-          <p:cNvGrpSpPr/>
+          <p:cNvSpPr/>
           <p:nvPr userDrawn="1"/>
-        </p:nvGrpSpPr>
-        <p:grpSpPr>
+        </p:nvSpPr>
+        <p:spPr>
           <a:xfrm>
             <a:off x="5291932" y="5095344"/>
             <a:ext cx="1656185" cy="1656184"/>
-            <a:chOff x="5238948" y="4810049"/>
-            <a:chExt cx="1656185" cy="1656184"/>
           </a:xfrm>
-        </p:grpSpPr>
-        <p:sp>
-          <p:nvSpPr>
-            <p:cNvPr id="11" name="Logo Oval">
-              <a:extLst>
-                <a:ext uri="{FF2B5EF4-FFF2-40B4-BE49-F238E27FC236}">
-                  <a16:creationId xmlns:a16="http://schemas.microsoft.com/office/drawing/2014/main" id="{1DF0A708-7042-01E1-C5B1-B8AA783A7744}"/>
-                </a:ext>
-              </a:extLst>
-            </p:cNvPr>
-            <p:cNvSpPr/>
-            <p:nvPr userDrawn="1"/>
-          </p:nvSpPr>
-          <p:spPr>
-            <a:xfrm>
-              <a:off x="5238948" y="4810049"/>
-              <a:ext cx="1656185" cy="1656184"/>
-            </a:xfrm>
-            <a:prstGeom prst="ellipse">
-              <a:avLst/>
-            </a:prstGeom>
+          <a:prstGeom prst="ellipse">
+            <a:avLst/>
+          </a:prstGeom>
+          <a:solidFill>
+            <a:srgbClr val="FFFFFF"/>
+          </a:solidFill>
+          <a:ln w="19050" cap="flat" cmpd="sng">
             <a:solidFill>
-              <a:srgbClr val="FFFFFF"/>
+              <a:schemeClr val="tx1"/>
             </a:solidFill>
-            <a:ln w="19050" cap="flat" cmpd="sng">
-              <a:solidFill>
-                <a:schemeClr val="tx1"/>
-              </a:solidFill>
-              <a:prstDash val="solid"/>
-              <a:round/>
-              <a:headEnd type="none" w="sm" len="sm"/>
-              <a:tailEnd type="none" w="sm" len="sm"/>
-            </a:ln>
-          </p:spPr>
-          <p:txBody>
-            <a:bodyPr spcFirstLastPara="1" wrap="square" lIns="121868" tIns="121868" rIns="121868" bIns="121868" anchor="ctr" anchorCtr="0">
-              <a:noAutofit/>
-            </a:bodyPr>
-            <a:lstStyle/>
-            <a:p>
-              <a:pPr marL="0" lvl="0" indent="0" algn="ctr" rtl="0">
-                <a:spcBef>
-                  <a:spcPts val="0"/>
-                </a:spcBef>
-                <a:spcAft>
-                  <a:spcPts val="0"/>
-                </a:spcAft>
-                <a:buNone/>
-              </a:pPr>
-              <a:endParaRPr sz="2487" dirty="0"/>
-            </a:p>
-          </p:txBody>
-        </p:sp>
-        <p:pic>
-          <p:nvPicPr>
-            <p:cNvPr id="12" name="Logo Text">
-              <a:extLst>
-                <a:ext uri="{FF2B5EF4-FFF2-40B4-BE49-F238E27FC236}">
-                  <a16:creationId xmlns:a16="http://schemas.microsoft.com/office/drawing/2014/main" id="{A341A768-FD01-762E-2F47-0A3A891A9E65}"/>
-                </a:ext>
-              </a:extLst>
-            </p:cNvPr>
-            <p:cNvPicPr preferRelativeResize="0"/>
-            <p:nvPr userDrawn="1"/>
-          </p:nvPicPr>
-          <p:blipFill rotWithShape="1">
-            <a:blip r:embed="rId2">
-              <a:alphaModFix amt="81000"/>
-            </a:blip>
-            <a:srcRect l="47151"/>
-            <a:stretch/>
-          </p:blipFill>
-          <p:spPr>
-            <a:xfrm>
-              <a:off x="5606975" y="5625768"/>
-              <a:ext cx="950919" cy="638633"/>
-            </a:xfrm>
-            <a:prstGeom prst="rect">
-              <a:avLst/>
-            </a:prstGeom>
+            <a:prstDash val="solid"/>
+            <a:round/>
+            <a:headEnd type="none" w="sm" len="sm"/>
+            <a:tailEnd type="none" w="sm" len="sm"/>
+          </a:ln>
+        </p:spPr>
+        <p:txBody>
+          <a:bodyPr spcFirstLastPara="1" wrap="square" lIns="121868" tIns="121868" rIns="121868" bIns="121868" anchor="ctr" anchorCtr="0">
+            <a:noAutofit/>
+          </a:bodyPr>
+          <a:lstStyle/>
+          <a:p>
+            <a:pPr marL="0" lvl="0" indent="0" algn="ctr" rtl="0">
+              <a:spcBef>
+                <a:spcPts val="0"/>
+              </a:spcBef>
+              <a:spcAft>
+                <a:spcPts val="0"/>
+              </a:spcAft>
+              <a:buNone/>
+            </a:pPr>
+            <a:endParaRPr sz="2487" dirty="0"/>
+          </a:p>
+        </p:txBody>
+      </p:sp>
+      <p:pic>
+        <p:nvPicPr>
+          <p:cNvPr id="12" name="Logo Icon">
+            <a:extLst>
+              <a:ext uri="{FF2B5EF4-FFF2-40B4-BE49-F238E27FC236}">
+                <a16:creationId xmlns:a16="http://schemas.microsoft.com/office/drawing/2014/main" id="{A341A768-FD01-762E-2F47-0A3A891A9E65}"/>
+              </a:ext>
+            </a:extLst>
+          </p:cNvPr>
+          <p:cNvPicPr preferRelativeResize="0">
+            <a:picLocks noChangeAspect="1"/>
+          </p:cNvPicPr>
+          <p:nvPr userDrawn="1"/>
+        </p:nvPicPr>
+        <p:blipFill rotWithShape="1">
+          <a:blip r:embed="rId2" cstate="print">
+            <a:alphaModFix amt="85000"/>
+            <a:extLst>
+              <a:ext uri="{28A0092B-C50C-407E-A947-70E740481C1C}">
+                <a14:useLocalDpi xmlns:a14="http://schemas.microsoft.com/office/drawing/2010/main" val="0"/>
+              </a:ext>
+              <a:ext uri="{96DAC541-7B7A-43D3-8B79-37D633B846F1}">
+                <asvg:svgBlip xmlns:asvg="http://schemas.microsoft.com/office/drawing/2016/SVG/main" r:embed="rId3"/>
+              </a:ext>
+            </a:extLst>
+          </a:blip>
+          <a:stretch/>
+        </p:blipFill>
+        <p:spPr>
+          <a:xfrm>
+            <a:off x="5682684" y="5262880"/>
+            <a:ext cx="895853" cy="1232119"/>
+          </a:xfrm>
+          <a:prstGeom prst="rect">
+            <a:avLst/>
+          </a:prstGeom>
+          <a:noFill/>
+          <a:ln>
             <a:noFill/>
-            <a:ln>
-              <a:noFill/>
-            </a:ln>
-          </p:spPr>
-        </p:pic>
-        <p:pic>
-          <p:nvPicPr>
-            <p:cNvPr id="14" name="Logo Image">
-              <a:extLst>
-                <a:ext uri="{FF2B5EF4-FFF2-40B4-BE49-F238E27FC236}">
-                  <a16:creationId xmlns:a16="http://schemas.microsoft.com/office/drawing/2014/main" id="{C21A3CEB-BD8D-DA29-2E73-1B8C3DB848AB}"/>
-                </a:ext>
-              </a:extLst>
-            </p:cNvPr>
-            <p:cNvPicPr preferRelativeResize="0"/>
-            <p:nvPr userDrawn="1"/>
-          </p:nvPicPr>
-          <p:blipFill rotWithShape="1">
-            <a:blip r:embed="rId2">
-              <a:alphaModFix amt="81000"/>
-            </a:blip>
-            <a:srcRect r="53639"/>
-            <a:stretch/>
-          </p:blipFill>
-          <p:spPr>
-            <a:xfrm>
-              <a:off x="5665361" y="5015192"/>
-              <a:ext cx="834149" cy="638633"/>
-            </a:xfrm>
-            <a:prstGeom prst="rect">
-              <a:avLst/>
-            </a:prstGeom>
-            <a:noFill/>
-            <a:ln>
-              <a:noFill/>
-            </a:ln>
-          </p:spPr>
-        </p:pic>
-      </p:grpSp>
+          </a:ln>
+        </p:spPr>
+      </p:pic>
       <p:sp>
         <p:nvSpPr>
           <p:cNvPr id="10" name="Text Placeholder Right">
@@ -3974,7 +3929,7 @@
           <p:cNvSpPr>
             <a:spLocks noGrp="1"/>
           </p:cNvSpPr>
-          <p:nvPr>
+          <p:nvPr userDrawn="1">
             <p:ph type="body" sz="quarter" idx="11" hasCustomPrompt="1"/>
           </p:nvPr>
         </p:nvSpPr>
@@ -4072,7 +4027,7 @@
           <p:cNvSpPr>
             <a:spLocks noGrp="1"/>
           </p:cNvSpPr>
-          <p:nvPr>
+          <p:nvPr userDrawn="1">
             <p:ph type="body" sz="quarter" idx="10" hasCustomPrompt="1"/>
           </p:nvPr>
         </p:nvSpPr>
@@ -4171,13 +4126,13 @@
           <p:nvPr userDrawn="1"/>
         </p:nvPicPr>
         <p:blipFill>
-          <a:blip r:embed="rId3" cstate="print">
+          <a:blip r:embed="rId4" cstate="print">
             <a:extLst>
               <a:ext uri="{28A0092B-C50C-407E-A947-70E740481C1C}">
                 <a14:useLocalDpi xmlns:a14="http://schemas.microsoft.com/office/drawing/2010/main" val="0"/>
               </a:ext>
               <a:ext uri="{96DAC541-7B7A-43D3-8B79-37D633B846F1}">
-                <asvg:svgBlip xmlns:asvg="http://schemas.microsoft.com/office/drawing/2016/SVG/main" r:embed="rId4"/>
+                <asvg:svgBlip xmlns:asvg="http://schemas.microsoft.com/office/drawing/2016/SVG/main" r:embed="rId5"/>
               </a:ext>
             </a:extLst>
           </a:blip>
@@ -4210,7 +4165,7 @@
           <p:cNvSpPr>
             <a:spLocks noGrp="1"/>
           </p:cNvSpPr>
-          <p:nvPr>
+          <p:nvPr userDrawn="1">
             <p:ph type="title" hasCustomPrompt="1"/>
           </p:nvPr>
         </p:nvSpPr>
@@ -5842,7 +5797,7 @@
         </p:blipFill>
         <p:spPr>
           <a:xfrm>
-            <a:off x="9815171" y="4810158"/>
+            <a:off x="9815171" y="4786710"/>
             <a:ext cx="1872000" cy="634525"/>
           </a:xfrm>
           <a:prstGeom prst="rect">
@@ -5871,6 +5826,9 @@
               <a:ext uri="{28A0092B-C50C-407E-A947-70E740481C1C}">
                 <a14:useLocalDpi xmlns:a14="http://schemas.microsoft.com/office/drawing/2010/main" val="0"/>
               </a:ext>
+              <a:ext uri="{96DAC541-7B7A-43D3-8B79-37D633B846F1}">
+                <asvg:svgBlip xmlns:asvg="http://schemas.microsoft.com/office/drawing/2016/SVG/main" r:embed="rId10"/>
+              </a:ext>
             </a:extLst>
           </a:blip>
           <a:srcRect/>
@@ -5878,8 +5836,8 @@
         </p:blipFill>
         <p:spPr>
           <a:xfrm>
-            <a:off x="9752373" y="3635654"/>
-            <a:ext cx="1997596" cy="694396"/>
+            <a:off x="9812693" y="3682552"/>
+            <a:ext cx="1870680" cy="600601"/>
           </a:xfrm>
           <a:prstGeom prst="rect">
             <a:avLst/>
@@ -5889,7 +5847,7 @@
       <p:pic>
         <p:nvPicPr>
           <p:cNvPr id="5" name="Logo Software University">
-            <a:hlinkClick r:id="rId10"/>
+            <a:hlinkClick r:id="rId11"/>
             <a:extLst>
               <a:ext uri="{FF2B5EF4-FFF2-40B4-BE49-F238E27FC236}">
                 <a16:creationId xmlns:a16="http://schemas.microsoft.com/office/drawing/2014/main" id="{47E8798E-CBA9-48CD-B796-F9FD377DBC0A}"/>
@@ -5902,13 +5860,13 @@
           <p:nvPr userDrawn="1"/>
         </p:nvPicPr>
         <p:blipFill>
-          <a:blip r:embed="rId11" cstate="print">
+          <a:blip r:embed="rId12" cstate="print">
             <a:extLst>
               <a:ext uri="{28A0092B-C50C-407E-A947-70E740481C1C}">
                 <a14:useLocalDpi xmlns:a14="http://schemas.microsoft.com/office/drawing/2010/main" val="0"/>
               </a:ext>
               <a:ext uri="{96DAC541-7B7A-43D3-8B79-37D633B846F1}">
-                <asvg:svgBlip xmlns:asvg="http://schemas.microsoft.com/office/drawing/2016/SVG/main" r:embed="rId12"/>
+                <asvg:svgBlip xmlns:asvg="http://schemas.microsoft.com/office/drawing/2016/SVG/main" r:embed="rId13"/>
               </a:ext>
             </a:extLst>
           </a:blip>
@@ -5917,7 +5875,7 @@
         </p:blipFill>
         <p:spPr>
           <a:xfrm>
-            <a:off x="9815171" y="2632702"/>
+            <a:off x="9815171" y="2656151"/>
             <a:ext cx="1872000" cy="522844"/>
           </a:xfrm>
           <a:prstGeom prst="rect">
@@ -5928,7 +5886,7 @@
       <p:pic>
         <p:nvPicPr>
           <p:cNvPr id="4" name="Logo SoftUni">
-            <a:hlinkClick r:id="rId13"/>
+            <a:hlinkClick r:id="rId14"/>
             <a:extLst>
               <a:ext uri="{FF2B5EF4-FFF2-40B4-BE49-F238E27FC236}">
                 <a16:creationId xmlns:a16="http://schemas.microsoft.com/office/drawing/2014/main" id="{395A5610-F911-4C31-BF1F-F30F8766C345}"/>
@@ -5941,13 +5899,13 @@
           <p:nvPr userDrawn="1"/>
         </p:nvPicPr>
         <p:blipFill>
-          <a:blip r:embed="rId14" cstate="print">
+          <a:blip r:embed="rId15" cstate="print">
             <a:extLst>
               <a:ext uri="{28A0092B-C50C-407E-A947-70E740481C1C}">
                 <a14:useLocalDpi xmlns:a14="http://schemas.microsoft.com/office/drawing/2010/main" val="0"/>
               </a:ext>
               <a:ext uri="{96DAC541-7B7A-43D3-8B79-37D633B846F1}">
-                <asvg:svgBlip xmlns:asvg="http://schemas.microsoft.com/office/drawing/2016/SVG/main" r:embed="rId15"/>
+                <asvg:svgBlip xmlns:asvg="http://schemas.microsoft.com/office/drawing/2016/SVG/main" r:embed="rId16"/>
               </a:ext>
             </a:extLst>
           </a:blip>
